--- a/ANALYSIS/MAIN/analysis/SGC3A/static/keys/_test_phase.pptx
+++ b/ANALYSIS/MAIN/analysis/SGC3A/static/keys/_test_phase.pptx
@@ -14860,7 +14860,7 @@
         </p:blipFill>
         <p:spPr>
           <a:xfrm>
-            <a:off x="0" y="0"/>
+            <a:off x="414337" y="107156"/>
             <a:ext cx="3357155" cy="3157395"/>
           </a:xfrm>
           <a:prstGeom prst="rect">
@@ -14884,7 +14884,7 @@
         </p:nvCxnSpPr>
         <p:spPr>
           <a:xfrm>
-            <a:off x="287383" y="1580606"/>
+            <a:off x="701720" y="1687762"/>
             <a:ext cx="2612571" cy="0"/>
           </a:xfrm>
           <a:prstGeom prst="straightConnector1">
@@ -14927,7 +14927,7 @@
         </p:nvSpPr>
         <p:spPr>
           <a:xfrm>
-            <a:off x="1211617" y="1459628"/>
+            <a:off x="1625954" y="1566784"/>
             <a:ext cx="238137" cy="238137"/>
           </a:xfrm>
           <a:prstGeom prst="ellipse">
@@ -14983,7 +14983,7 @@
         </p:nvSpPr>
         <p:spPr>
           <a:xfrm>
-            <a:off x="786756" y="1459628"/>
+            <a:off x="1201093" y="1566784"/>
             <a:ext cx="238137" cy="238137"/>
           </a:xfrm>
           <a:prstGeom prst="ellipse">
